--- a/documentation/Präsentation.pptx
+++ b/documentation/Präsentation.pptx
@@ -201,7 +201,7 @@
           <a:p>
             <a:fld id="{90D64B89-D19D-4BBF-A171-5CFEE05D8080}" type="datetimeFigureOut">
               <a:rPr lang="de-CH" smtClean="0"/>
-              <a:t>17.06.2013</a:t>
+              <a:t>19.06.2013</a:t>
             </a:fld>
             <a:endParaRPr lang="de-CH" dirty="0"/>
           </a:p>
@@ -5996,7 +5996,18 @@
                   </a:schemeClr>
                 </a:solidFill>
               </a:rPr>
-              <a:t>Lauffähige Anwendung welche </a:t>
+              <a:t>Lauffähige Anwendung </a:t>
+            </a:r>
+            <a:r>
+              <a:rPr lang="de-CH" dirty="0" smtClean="0">
+                <a:solidFill>
+                  <a:schemeClr val="tx1">
+                    <a:lumMod val="50000"/>
+                    <a:lumOff val="50000"/>
+                  </a:schemeClr>
+                </a:solidFill>
+              </a:rPr>
+              <a:t>welche </a:t>
             </a:r>
             <a:r>
               <a:rPr lang="de-CH" dirty="0" err="1" smtClean="0">
@@ -6222,7 +6233,7 @@
             <p:ph idx="1"/>
             <p:extLst>
               <p:ext uri="{D42A27DB-BD31-4B8C-83A1-F6EECF244321}">
-                <p14:modId xmlns:p14="http://schemas.microsoft.com/office/powerpoint/2010/main" val="3282026325"/>
+                <p14:modId xmlns:p14="http://schemas.microsoft.com/office/powerpoint/2010/main" val="429514688"/>
               </p:ext>
             </p:extLst>
           </p:nvPr>
@@ -6450,7 +6461,29 @@
                             </a:schemeClr>
                           </a:solidFill>
                         </a:rPr>
-                        <a:t>Einarbeitung n Spring</a:t>
+                        <a:t>Einarbeitung </a:t>
+                      </a:r>
+                      <a:r>
+                        <a:rPr lang="de-CH" dirty="0" smtClean="0">
+                          <a:solidFill>
+                            <a:schemeClr val="tx1">
+                              <a:lumMod val="50000"/>
+                              <a:lumOff val="50000"/>
+                            </a:schemeClr>
+                          </a:solidFill>
+                        </a:rPr>
+                        <a:t>in </a:t>
+                      </a:r>
+                      <a:r>
+                        <a:rPr lang="de-CH" dirty="0" smtClean="0">
+                          <a:solidFill>
+                            <a:schemeClr val="tx1">
+                              <a:lumMod val="50000"/>
+                              <a:lumOff val="50000"/>
+                            </a:schemeClr>
+                          </a:solidFill>
+                        </a:rPr>
+                        <a:t>Spring</a:t>
                       </a:r>
                       <a:endParaRPr lang="de-CH" dirty="0">
                         <a:solidFill>
@@ -6567,10 +6600,10 @@
                             </a:schemeClr>
                           </a:solidFill>
                         </a:rPr>
-                        <a:t>Einrichten der </a:t>
+                        <a:t>Einrichten </a:t>
                       </a:r>
                       <a:r>
-                        <a:rPr lang="de-CH" dirty="0" err="1" smtClean="0">
+                        <a:rPr lang="de-CH" smtClean="0">
                           <a:solidFill>
                             <a:schemeClr val="tx1">
                               <a:lumMod val="50000"/>
@@ -6578,7 +6611,18 @@
                             </a:schemeClr>
                           </a:solidFill>
                         </a:rPr>
-                        <a:t>Entwicklungsumgeebung</a:t>
+                        <a:t>der </a:t>
+                      </a:r>
+                      <a:r>
+                        <a:rPr lang="de-CH" smtClean="0">
+                          <a:solidFill>
+                            <a:schemeClr val="tx1">
+                              <a:lumMod val="50000"/>
+                              <a:lumOff val="50000"/>
+                            </a:schemeClr>
+                          </a:solidFill>
+                        </a:rPr>
+                        <a:t>Entwicklungsumgebung </a:t>
                       </a:r>
                       <a:r>
                         <a:rPr lang="de-CH" dirty="0" smtClean="0">
@@ -6589,7 +6633,7 @@
                             </a:schemeClr>
                           </a:solidFill>
                         </a:rPr>
-                        <a:t> inkl. </a:t>
+                        <a:t>inkl. </a:t>
                       </a:r>
                       <a:r>
                         <a:rPr lang="de-CH" dirty="0" err="1" smtClean="0">
